--- a/中期审核.pptx
+++ b/中期审核.pptx
@@ -7,9 +7,11 @@
   <p:sldIdLst>
     <p:sldId id="256" r:id="rId2"/>
     <p:sldId id="257" r:id="rId3"/>
-    <p:sldId id="258" r:id="rId4"/>
-    <p:sldId id="259" r:id="rId5"/>
-    <p:sldId id="260" r:id="rId6"/>
+    <p:sldId id="262" r:id="rId4"/>
+    <p:sldId id="258" r:id="rId5"/>
+    <p:sldId id="263" r:id="rId6"/>
+    <p:sldId id="259" r:id="rId7"/>
+    <p:sldId id="260" r:id="rId8"/>
   </p:sldIdLst>
   <p:sldSz cx="9144000" cy="6858000" type="screen4x3"/>
   <p:notesSz cx="6858000" cy="9144000"/>
@@ -108,6 +110,22 @@
       </a:defRPr>
     </a:lvl9pPr>
   </p:defaultTextStyle>
+  <p:extLst>
+    <p:ext uri="{EFAFB233-063F-42B5-8137-9DF3F51BA10A}">
+      <p15:sldGuideLst xmlns:p15="http://schemas.microsoft.com/office/powerpoint/2012/main">
+        <p15:guide id="1" orient="horz" pos="2160">
+          <p15:clr>
+            <a:srgbClr val="A4A3A4"/>
+          </p15:clr>
+        </p15:guide>
+        <p15:guide id="2" pos="2880">
+          <p15:clr>
+            <a:srgbClr val="A4A3A4"/>
+          </p15:clr>
+        </p15:guide>
+      </p15:sldGuideLst>
+    </p:ext>
+  </p:extLst>
 </p:presentation>
 </file>
 
@@ -303,7 +321,7 @@
           <a:p>
             <a:fld id="{2B97AF41-1295-488B-8FBB-190DEF06FE25}" type="datetimeFigureOut">
               <a:rPr lang="zh-CN" altLang="en-US" smtClean="0"/>
-              <a:t>2014/12/7</a:t>
+              <a:t>2014/12/9</a:t>
             </a:fld>
             <a:endParaRPr lang="zh-CN" altLang="en-US"/>
           </a:p>
@@ -468,7 +486,7 @@
           <a:p>
             <a:fld id="{2B97AF41-1295-488B-8FBB-190DEF06FE25}" type="datetimeFigureOut">
               <a:rPr lang="zh-CN" altLang="en-US" smtClean="0"/>
-              <a:t>2014/12/7</a:t>
+              <a:t>2014/12/9</a:t>
             </a:fld>
             <a:endParaRPr lang="zh-CN" altLang="en-US"/>
           </a:p>
@@ -643,7 +661,7 @@
           <a:p>
             <a:fld id="{2B97AF41-1295-488B-8FBB-190DEF06FE25}" type="datetimeFigureOut">
               <a:rPr lang="zh-CN" altLang="en-US" smtClean="0"/>
-              <a:t>2014/12/7</a:t>
+              <a:t>2014/12/9</a:t>
             </a:fld>
             <a:endParaRPr lang="zh-CN" altLang="en-US"/>
           </a:p>
@@ -826,7 +844,7 @@
           <a:p>
             <a:fld id="{2B97AF41-1295-488B-8FBB-190DEF06FE25}" type="datetimeFigureOut">
               <a:rPr lang="zh-CN" altLang="en-US" smtClean="0"/>
-              <a:t>2014/12/7</a:t>
+              <a:t>2014/12/9</a:t>
             </a:fld>
             <a:endParaRPr lang="zh-CN" altLang="en-US"/>
           </a:p>
@@ -1088,7 +1106,7 @@
           <a:p>
             <a:fld id="{2B97AF41-1295-488B-8FBB-190DEF06FE25}" type="datetimeFigureOut">
               <a:rPr lang="zh-CN" altLang="en-US" smtClean="0"/>
-              <a:t>2014/12/7</a:t>
+              <a:t>2014/12/9</a:t>
             </a:fld>
             <a:endParaRPr lang="zh-CN" altLang="en-US"/>
           </a:p>
@@ -1436,7 +1454,7 @@
           <a:p>
             <a:fld id="{2B97AF41-1295-488B-8FBB-190DEF06FE25}" type="datetimeFigureOut">
               <a:rPr lang="zh-CN" altLang="en-US" smtClean="0"/>
-              <a:t>2014/12/7</a:t>
+              <a:t>2014/12/9</a:t>
             </a:fld>
             <a:endParaRPr lang="zh-CN" altLang="en-US"/>
           </a:p>
@@ -1744,7 +1762,7 @@
           <a:p>
             <a:fld id="{2B97AF41-1295-488B-8FBB-190DEF06FE25}" type="datetimeFigureOut">
               <a:rPr lang="zh-CN" altLang="en-US" smtClean="0"/>
-              <a:t>2014/12/7</a:t>
+              <a:t>2014/12/9</a:t>
             </a:fld>
             <a:endParaRPr lang="zh-CN" altLang="en-US"/>
           </a:p>
@@ -1971,7 +1989,7 @@
           <a:p>
             <a:fld id="{2B97AF41-1295-488B-8FBB-190DEF06FE25}" type="datetimeFigureOut">
               <a:rPr lang="zh-CN" altLang="en-US" smtClean="0"/>
-              <a:t>2014/12/7</a:t>
+              <a:t>2014/12/9</a:t>
             </a:fld>
             <a:endParaRPr lang="zh-CN" altLang="en-US"/>
           </a:p>
@@ -2061,7 +2079,7 @@
           <a:p>
             <a:fld id="{2B97AF41-1295-488B-8FBB-190DEF06FE25}" type="datetimeFigureOut">
               <a:rPr lang="zh-CN" altLang="en-US" smtClean="0"/>
-              <a:t>2014/12/7</a:t>
+              <a:t>2014/12/9</a:t>
             </a:fld>
             <a:endParaRPr lang="zh-CN" altLang="en-US"/>
           </a:p>
@@ -2349,7 +2367,7 @@
           <a:p>
             <a:fld id="{2B97AF41-1295-488B-8FBB-190DEF06FE25}" type="datetimeFigureOut">
               <a:rPr lang="zh-CN" altLang="en-US" smtClean="0"/>
-              <a:t>2014/12/7</a:t>
+              <a:t>2014/12/9</a:t>
             </a:fld>
             <a:endParaRPr lang="zh-CN" altLang="en-US"/>
           </a:p>
@@ -2618,7 +2636,7 @@
           <a:p>
             <a:fld id="{2B97AF41-1295-488B-8FBB-190DEF06FE25}" type="datetimeFigureOut">
               <a:rPr lang="zh-CN" altLang="en-US" smtClean="0"/>
-              <a:t>2014/12/7</a:t>
+              <a:t>2014/12/9</a:t>
             </a:fld>
             <a:endParaRPr lang="zh-CN" altLang="en-US"/>
           </a:p>
@@ -2828,7 +2846,7 @@
           <a:p>
             <a:fld id="{2B97AF41-1295-488B-8FBB-190DEF06FE25}" type="datetimeFigureOut">
               <a:rPr lang="zh-CN" altLang="en-US" smtClean="0"/>
-              <a:t>2014/12/7</a:t>
+              <a:t>2014/12/9</a:t>
             </a:fld>
             <a:endParaRPr lang="zh-CN" altLang="en-US"/>
           </a:p>
@@ -3686,71 +3704,43 @@
         </p:nvSpPr>
         <p:spPr/>
         <p:txBody>
-          <a:bodyPr>
-            <a:normAutofit/>
-          </a:bodyPr>
-          <a:lstStyle/>
-          <a:p>
-            <a:pPr algn="l"/>
-            <a:r>
-              <a:rPr lang="zh-CN" altLang="en-US" sz="3600" b="1" dirty="0" smtClean="0"/>
-              <a:t>调试</a:t>
-            </a:r>
-            <a:endParaRPr lang="zh-CN" altLang="en-US" sz="3600" b="1" dirty="0"/>
-          </a:p>
-        </p:txBody>
-      </p:sp>
-      <p:sp>
-        <p:nvSpPr>
-          <p:cNvPr id="3" name="内容占位符 2"/>
-          <p:cNvSpPr>
-            <a:spLocks noGrp="1"/>
-          </p:cNvSpPr>
+          <a:bodyPr/>
+          <a:lstStyle/>
+          <a:p>
+            <a:endParaRPr lang="zh-CN" altLang="en-US"/>
+          </a:p>
+        </p:txBody>
+      </p:sp>
+      <p:pic>
+        <p:nvPicPr>
+          <p:cNvPr id="4" name="内容占位符 3"/>
+          <p:cNvPicPr>
+            <a:picLocks noGrp="1" noChangeAspect="1"/>
+          </p:cNvPicPr>
           <p:nvPr>
             <p:ph idx="1"/>
           </p:nvPr>
-        </p:nvSpPr>
-        <p:spPr/>
-        <p:txBody>
-          <a:bodyPr>
-            <a:normAutofit/>
-          </a:bodyPr>
-          <a:lstStyle/>
-          <a:p>
-            <a:r>
-              <a:rPr lang="en-US" altLang="zh-CN" sz="2800" dirty="0" smtClean="0"/>
-              <a:t>VGA</a:t>
-            </a:r>
-            <a:r>
-              <a:rPr lang="zh-CN" altLang="en-US" sz="2800" dirty="0" smtClean="0"/>
-              <a:t>接口</a:t>
-            </a:r>
-            <a:endParaRPr lang="en-US" altLang="zh-CN" sz="2800" dirty="0" smtClean="0"/>
-          </a:p>
-          <a:p>
-            <a:r>
-              <a:rPr lang="en-US" altLang="zh-CN" sz="2800" dirty="0" smtClean="0"/>
-              <a:t>Bird</a:t>
-            </a:r>
-            <a:r>
-              <a:rPr lang="zh-CN" altLang="en-US" sz="2800" dirty="0" smtClean="0"/>
-              <a:t>升降加速度函数</a:t>
-            </a:r>
-            <a:endParaRPr lang="en-US" altLang="zh-CN" sz="2800" dirty="0" smtClean="0"/>
-          </a:p>
-          <a:p>
-            <a:r>
-              <a:rPr lang="zh-CN" altLang="en-US" sz="2800" dirty="0" smtClean="0"/>
-              <a:t>按键去抖（软件实现）</a:t>
-            </a:r>
-            <a:endParaRPr lang="zh-CN" altLang="en-US" sz="2800" dirty="0"/>
-          </a:p>
-        </p:txBody>
-      </p:sp>
+        </p:nvPicPr>
+        <p:blipFill>
+          <a:blip r:embed="rId2"/>
+          <a:stretch>
+            <a:fillRect/>
+          </a:stretch>
+        </p:blipFill>
+        <p:spPr>
+          <a:xfrm>
+            <a:off x="899592" y="620688"/>
+            <a:ext cx="7200800" cy="5146701"/>
+          </a:xfrm>
+          <a:prstGeom prst="rect">
+            <a:avLst/>
+          </a:prstGeom>
+        </p:spPr>
+      </p:pic>
     </p:spTree>
     <p:extLst>
       <p:ext uri="{BB962C8B-B14F-4D97-AF65-F5344CB8AC3E}">
-        <p14:creationId xmlns:p14="http://schemas.microsoft.com/office/powerpoint/2010/main" val="2629034058"/>
+        <p14:creationId xmlns:p14="http://schemas.microsoft.com/office/powerpoint/2010/main" val="2274657370"/>
       </p:ext>
     </p:extLst>
   </p:cSld>
@@ -3797,7 +3787,231 @@
             <a:pPr algn="l"/>
             <a:r>
               <a:rPr lang="zh-CN" altLang="en-US" sz="3600" b="1" dirty="0" smtClean="0"/>
-              <a:t>效果演示</a:t>
+              <a:t>调试</a:t>
+            </a:r>
+            <a:endParaRPr lang="zh-CN" altLang="en-US" sz="3600" b="1" dirty="0"/>
+          </a:p>
+        </p:txBody>
+      </p:sp>
+      <p:sp>
+        <p:nvSpPr>
+          <p:cNvPr id="3" name="内容占位符 2"/>
+          <p:cNvSpPr>
+            <a:spLocks noGrp="1"/>
+          </p:cNvSpPr>
+          <p:nvPr>
+            <p:ph idx="1"/>
+          </p:nvPr>
+        </p:nvSpPr>
+        <p:spPr/>
+        <p:txBody>
+          <a:bodyPr>
+            <a:normAutofit/>
+          </a:bodyPr>
+          <a:lstStyle/>
+          <a:p>
+            <a:r>
+              <a:rPr lang="en-US" altLang="zh-CN" sz="2800" dirty="0" smtClean="0"/>
+              <a:t>VGA</a:t>
+            </a:r>
+            <a:r>
+              <a:rPr lang="zh-CN" altLang="en-US" sz="2800" dirty="0" smtClean="0"/>
+              <a:t>接口</a:t>
+            </a:r>
+            <a:endParaRPr lang="en-US" altLang="zh-CN" sz="2800" dirty="0" smtClean="0"/>
+          </a:p>
+          <a:p>
+            <a:r>
+              <a:rPr lang="en-US" altLang="zh-CN" sz="2800" dirty="0" smtClean="0"/>
+              <a:t>Bird</a:t>
+            </a:r>
+            <a:r>
+              <a:rPr lang="zh-CN" altLang="en-US" sz="2800" dirty="0" smtClean="0"/>
+              <a:t>升降加速度函数</a:t>
+            </a:r>
+            <a:endParaRPr lang="en-US" altLang="zh-CN" sz="2800" dirty="0" smtClean="0"/>
+          </a:p>
+          <a:p>
+            <a:r>
+              <a:rPr lang="zh-CN" altLang="en-US" sz="2800" dirty="0" smtClean="0"/>
+              <a:t>按键去抖（软件实现）</a:t>
+            </a:r>
+            <a:endParaRPr lang="zh-CN" altLang="en-US" sz="2800" dirty="0"/>
+          </a:p>
+        </p:txBody>
+      </p:sp>
+    </p:spTree>
+    <p:extLst>
+      <p:ext uri="{BB962C8B-B14F-4D97-AF65-F5344CB8AC3E}">
+        <p14:creationId xmlns:p14="http://schemas.microsoft.com/office/powerpoint/2010/main" val="2629034058"/>
+      </p:ext>
+    </p:extLst>
+  </p:cSld>
+  <p:clrMapOvr>
+    <a:masterClrMapping/>
+  </p:clrMapOvr>
+</p:sld>
+</file>
+
+<file path=ppt/slides/slide5.xml><?xml version="1.0" encoding="utf-8"?>
+<p:sld xmlns:a="http://schemas.openxmlformats.org/drawingml/2006/main" xmlns:r="http://schemas.openxmlformats.org/officeDocument/2006/relationships" xmlns:p="http://schemas.openxmlformats.org/presentationml/2006/main">
+  <p:cSld>
+    <p:spTree>
+      <p:nvGrpSpPr>
+        <p:cNvPr id="1" name=""/>
+        <p:cNvGrpSpPr/>
+        <p:nvPr/>
+      </p:nvGrpSpPr>
+      <p:grpSpPr>
+        <a:xfrm>
+          <a:off x="0" y="0"/>
+          <a:ext cx="0" cy="0"/>
+          <a:chOff x="0" y="0"/>
+          <a:chExt cx="0" cy="0"/>
+        </a:xfrm>
+      </p:grpSpPr>
+      <p:sp>
+        <p:nvSpPr>
+          <p:cNvPr id="2" name="标题 1"/>
+          <p:cNvSpPr>
+            <a:spLocks noGrp="1"/>
+          </p:cNvSpPr>
+          <p:nvPr>
+            <p:ph type="title"/>
+          </p:nvPr>
+        </p:nvSpPr>
+        <p:spPr/>
+        <p:txBody>
+          <a:bodyPr/>
+          <a:lstStyle/>
+          <a:p>
+            <a:endParaRPr lang="zh-CN" altLang="en-US"/>
+          </a:p>
+        </p:txBody>
+      </p:sp>
+      <p:sp>
+        <p:nvSpPr>
+          <p:cNvPr id="3" name="内容占位符 2"/>
+          <p:cNvSpPr>
+            <a:spLocks noGrp="1"/>
+          </p:cNvSpPr>
+          <p:nvPr>
+            <p:ph idx="1"/>
+          </p:nvPr>
+        </p:nvSpPr>
+        <p:spPr>
+          <a:xfrm>
+            <a:off x="466693" y="1312168"/>
+            <a:ext cx="9020646" cy="4961008"/>
+          </a:xfrm>
+        </p:spPr>
+        <p:txBody>
+          <a:bodyPr/>
+          <a:lstStyle/>
+          <a:p>
+            <a:endParaRPr lang="zh-CN" altLang="en-US"/>
+          </a:p>
+        </p:txBody>
+      </p:sp>
+      <p:pic>
+        <p:nvPicPr>
+          <p:cNvPr id="5" name="图片 4"/>
+          <p:cNvPicPr>
+            <a:picLocks noChangeAspect="1"/>
+          </p:cNvPicPr>
+          <p:nvPr/>
+        </p:nvPicPr>
+        <p:blipFill>
+          <a:blip r:embed="rId2"/>
+          <a:stretch>
+            <a:fillRect/>
+          </a:stretch>
+        </p:blipFill>
+        <p:spPr>
+          <a:xfrm>
+            <a:off x="549045" y="260648"/>
+            <a:ext cx="3312368" cy="4377304"/>
+          </a:xfrm>
+          <a:prstGeom prst="rect">
+            <a:avLst/>
+          </a:prstGeom>
+        </p:spPr>
+      </p:pic>
+      <p:pic>
+        <p:nvPicPr>
+          <p:cNvPr id="6" name="图片 5"/>
+          <p:cNvPicPr>
+            <a:picLocks noChangeAspect="1"/>
+          </p:cNvPicPr>
+          <p:nvPr/>
+        </p:nvPicPr>
+        <p:blipFill>
+          <a:blip r:embed="rId3"/>
+          <a:stretch>
+            <a:fillRect/>
+          </a:stretch>
+        </p:blipFill>
+        <p:spPr>
+          <a:xfrm>
+            <a:off x="4355976" y="3501008"/>
+            <a:ext cx="4212879" cy="3104227"/>
+          </a:xfrm>
+          <a:prstGeom prst="rect">
+            <a:avLst/>
+          </a:prstGeom>
+        </p:spPr>
+      </p:pic>
+    </p:spTree>
+    <p:extLst>
+      <p:ext uri="{BB962C8B-B14F-4D97-AF65-F5344CB8AC3E}">
+        <p14:creationId xmlns:p14="http://schemas.microsoft.com/office/powerpoint/2010/main" val="2031349090"/>
+      </p:ext>
+    </p:extLst>
+  </p:cSld>
+  <p:clrMapOvr>
+    <a:masterClrMapping/>
+  </p:clrMapOvr>
+</p:sld>
+</file>
+
+<file path=ppt/slides/slide6.xml><?xml version="1.0" encoding="utf-8"?>
+<p:sld xmlns:a="http://schemas.openxmlformats.org/drawingml/2006/main" xmlns:r="http://schemas.openxmlformats.org/officeDocument/2006/relationships" xmlns:p="http://schemas.openxmlformats.org/presentationml/2006/main">
+  <p:cSld>
+    <p:spTree>
+      <p:nvGrpSpPr>
+        <p:cNvPr id="1" name=""/>
+        <p:cNvGrpSpPr/>
+        <p:nvPr/>
+      </p:nvGrpSpPr>
+      <p:grpSpPr>
+        <a:xfrm>
+          <a:off x="0" y="0"/>
+          <a:ext cx="0" cy="0"/>
+          <a:chOff x="0" y="0"/>
+          <a:chExt cx="0" cy="0"/>
+        </a:xfrm>
+      </p:grpSpPr>
+      <p:sp>
+        <p:nvSpPr>
+          <p:cNvPr id="2" name="标题 1"/>
+          <p:cNvSpPr>
+            <a:spLocks noGrp="1"/>
+          </p:cNvSpPr>
+          <p:nvPr>
+            <p:ph type="title"/>
+          </p:nvPr>
+        </p:nvSpPr>
+        <p:spPr/>
+        <p:txBody>
+          <a:bodyPr>
+            <a:normAutofit/>
+          </a:bodyPr>
+          <a:lstStyle/>
+          <a:p>
+            <a:pPr algn="l"/>
+            <a:r>
+              <a:rPr lang="zh-CN" altLang="en-US" sz="3600" b="1" dirty="0" smtClean="0"/>
+              <a:t>仿真效果</a:t>
             </a:r>
             <a:endParaRPr lang="zh-CN" altLang="en-US" sz="3600" b="1" dirty="0"/>
           </a:p>
@@ -3835,7 +4049,7 @@
 </p:sld>
 </file>
 
-<file path=ppt/slides/slide5.xml><?xml version="1.0" encoding="utf-8"?>
+<file path=ppt/slides/slide7.xml><?xml version="1.0" encoding="utf-8"?>
 <p:sld xmlns:a="http://schemas.openxmlformats.org/drawingml/2006/main" xmlns:r="http://schemas.openxmlformats.org/officeDocument/2006/relationships" xmlns:p="http://schemas.openxmlformats.org/presentationml/2006/main">
   <p:cSld>
     <p:spTree>
